--- a/github.pptx
+++ b/github.pptx
@@ -5,7 +5,7 @@
     <p:sldMasterId id="2147483648" r:id="rId1"/>
   </p:sldMasterIdLst>
   <p:notesMasterIdLst>
-    <p:notesMasterId r:id="rId18"/>
+    <p:notesMasterId r:id="rId19"/>
   </p:notesMasterIdLst>
   <p:sldIdLst>
     <p:sldId id="256" r:id="rId2"/>
@@ -24,6 +24,7 @@
     <p:sldId id="270" r:id="rId15"/>
     <p:sldId id="269" r:id="rId16"/>
     <p:sldId id="271" r:id="rId17"/>
+    <p:sldId id="272" r:id="rId18"/>
   </p:sldIdLst>
   <p:sldSz cx="9144000" cy="6858000" type="screen4x3"/>
   <p:notesSz cx="6858000" cy="9144000"/>
@@ -5913,6 +5914,184 @@
       </p:par>
     </p:tnLst>
   </p:timing>
+</p:sld>
+</file>
+
+<file path=ppt/slides/slide17.xml><?xml version="1.0" encoding="utf-8"?>
+<p:sld xmlns:a="http://schemas.openxmlformats.org/drawingml/2006/main" xmlns:r="http://schemas.openxmlformats.org/officeDocument/2006/relationships" xmlns:p="http://schemas.openxmlformats.org/presentationml/2006/main">
+  <p:cSld>
+    <p:spTree>
+      <p:nvGrpSpPr>
+        <p:cNvPr id="1" name=""/>
+        <p:cNvGrpSpPr/>
+        <p:nvPr/>
+      </p:nvGrpSpPr>
+      <p:grpSpPr>
+        <a:xfrm>
+          <a:off x="0" y="0"/>
+          <a:ext cx="0" cy="0"/>
+          <a:chOff x="0" y="0"/>
+          <a:chExt cx="0" cy="0"/>
+        </a:xfrm>
+      </p:grpSpPr>
+      <p:sp>
+        <p:nvSpPr>
+          <p:cNvPr id="2" name="標題 1"/>
+          <p:cNvSpPr>
+            <a:spLocks noGrp="1"/>
+          </p:cNvSpPr>
+          <p:nvPr>
+            <p:ph type="title"/>
+          </p:nvPr>
+        </p:nvSpPr>
+        <p:spPr/>
+        <p:txBody>
+          <a:bodyPr/>
+          <a:lstStyle/>
+          <a:p>
+            <a:r>
+              <a:rPr lang="en-US" altLang="zh-TW" b="1" dirty="0" smtClean="0">
+                <a:solidFill>
+                  <a:schemeClr val="bg1"/>
+                </a:solidFill>
+              </a:rPr>
+              <a:t>homework</a:t>
+            </a:r>
+            <a:endParaRPr lang="zh-TW" altLang="en-US" b="1" dirty="0">
+              <a:solidFill>
+                <a:schemeClr val="bg1"/>
+              </a:solidFill>
+            </a:endParaRPr>
+          </a:p>
+        </p:txBody>
+      </p:sp>
+      <p:sp>
+        <p:nvSpPr>
+          <p:cNvPr id="3" name="內容版面配置區 2"/>
+          <p:cNvSpPr>
+            <a:spLocks noGrp="1"/>
+          </p:cNvSpPr>
+          <p:nvPr>
+            <p:ph idx="1"/>
+          </p:nvPr>
+        </p:nvSpPr>
+        <p:spPr/>
+        <p:txBody>
+          <a:bodyPr/>
+          <a:lstStyle/>
+          <a:p>
+            <a:r>
+              <a:rPr lang="zh-TW" altLang="en-US" b="1" dirty="0">
+                <a:solidFill>
+                  <a:schemeClr val="bg1"/>
+                </a:solidFill>
+              </a:rPr>
+              <a:t>請</a:t>
+            </a:r>
+            <a:r>
+              <a:rPr lang="zh-TW" altLang="en-US" b="1" dirty="0" smtClean="0">
+                <a:solidFill>
+                  <a:schemeClr val="bg1"/>
+                </a:solidFill>
+              </a:rPr>
+              <a:t>把</a:t>
+            </a:r>
+            <a:r>
+              <a:rPr lang="zh-TW" altLang="en-US" b="1" dirty="0">
+                <a:solidFill>
+                  <a:schemeClr val="bg1"/>
+                </a:solidFill>
+              </a:rPr>
+              <a:t>上課</a:t>
+            </a:r>
+            <a:r>
+              <a:rPr lang="zh-TW" altLang="en-US" b="1" dirty="0" smtClean="0">
+                <a:solidFill>
+                  <a:schemeClr val="bg1"/>
+                </a:solidFill>
+              </a:rPr>
+              <a:t>的</a:t>
+            </a:r>
+            <a:r>
+              <a:rPr lang="en-US" altLang="zh-TW" b="1" dirty="0" err="1" smtClean="0">
+                <a:solidFill>
+                  <a:schemeClr val="bg1"/>
+                </a:solidFill>
+              </a:rPr>
+              <a:t>ppt</a:t>
+            </a:r>
+            <a:r>
+              <a:rPr lang="en-US" altLang="zh-TW" b="1" dirty="0" smtClean="0">
+                <a:solidFill>
+                  <a:schemeClr val="bg1"/>
+                </a:solidFill>
+              </a:rPr>
+              <a:t> </a:t>
+            </a:r>
+            <a:r>
+              <a:rPr lang="zh-TW" altLang="en-US" b="1" dirty="0" smtClean="0">
+                <a:solidFill>
+                  <a:schemeClr val="bg1"/>
+                </a:solidFill>
+              </a:rPr>
+              <a:t>放到自己的</a:t>
+            </a:r>
+            <a:r>
+              <a:rPr lang="en-US" altLang="zh-TW" b="1" dirty="0" err="1" smtClean="0">
+                <a:solidFill>
+                  <a:schemeClr val="bg1"/>
+                </a:solidFill>
+              </a:rPr>
+              <a:t>github</a:t>
+            </a:r>
+            <a:r>
+              <a:rPr lang="zh-TW" altLang="en-US" b="1" dirty="0" smtClean="0">
+                <a:solidFill>
+                  <a:schemeClr val="bg1"/>
+                </a:solidFill>
+              </a:rPr>
+              <a:t>上</a:t>
+            </a:r>
+            <a:endParaRPr lang="en-US" altLang="zh-TW" b="1" dirty="0" smtClean="0">
+              <a:solidFill>
+                <a:schemeClr val="bg1"/>
+              </a:solidFill>
+            </a:endParaRPr>
+          </a:p>
+          <a:p>
+            <a:endParaRPr lang="en-US" altLang="zh-TW" b="1" dirty="0">
+              <a:solidFill>
+                <a:schemeClr val="bg1"/>
+              </a:solidFill>
+            </a:endParaRPr>
+          </a:p>
+          <a:p>
+            <a:r>
+              <a:rPr lang="zh-TW" altLang="en-US" b="1" dirty="0" smtClean="0">
+                <a:solidFill>
+                  <a:schemeClr val="bg1"/>
+                </a:solidFill>
+              </a:rPr>
+              <a:t>並找出我最新一次的紀錄 是做了哪些</a:t>
+            </a:r>
+            <a:endParaRPr lang="zh-TW" altLang="en-US" b="1" dirty="0">
+              <a:solidFill>
+                <a:schemeClr val="bg1"/>
+              </a:solidFill>
+            </a:endParaRPr>
+          </a:p>
+        </p:txBody>
+      </p:sp>
+    </p:spTree>
+    <p:extLst>
+      <p:ext uri="{BB962C8B-B14F-4D97-AF65-F5344CB8AC3E}">
+        <p14:creationId xmlns:p14="http://schemas.microsoft.com/office/powerpoint/2010/main" val="2407594015"/>
+      </p:ext>
+    </p:extLst>
+  </p:cSld>
+  <p:clrMapOvr>
+    <a:masterClrMapping/>
+  </p:clrMapOvr>
 </p:sld>
 </file>
 

--- a/github.pptx
+++ b/github.pptx
@@ -6072,7 +6072,37 @@
                   <a:schemeClr val="bg1"/>
                 </a:solidFill>
               </a:rPr>
-              <a:t>並找出我最新一次的紀錄 是做了哪些</a:t>
+              <a:t>並找出我最新一次</a:t>
+            </a:r>
+            <a:r>
+              <a:rPr lang="zh-TW" altLang="en-US" b="1" dirty="0" smtClean="0">
+                <a:solidFill>
+                  <a:schemeClr val="bg1"/>
+                </a:solidFill>
+              </a:rPr>
+              <a:t>的</a:t>
+            </a:r>
+            <a:endParaRPr lang="en-US" altLang="zh-TW" b="1" dirty="0" smtClean="0">
+              <a:solidFill>
+                <a:schemeClr val="bg1"/>
+              </a:solidFill>
+            </a:endParaRPr>
+          </a:p>
+          <a:p>
+            <a:endParaRPr lang="en-US" altLang="zh-TW" b="1" dirty="0">
+              <a:solidFill>
+                <a:schemeClr val="bg1"/>
+              </a:solidFill>
+            </a:endParaRPr>
+          </a:p>
+          <a:p>
+            <a:r>
+              <a:rPr lang="en-US" altLang="zh-TW" b="1" dirty="0" smtClean="0">
+                <a:solidFill>
+                  <a:schemeClr val="bg1"/>
+                </a:solidFill>
+              </a:rPr>
+              <a:t>comment </a:t>
             </a:r>
             <a:endParaRPr lang="zh-TW" altLang="en-US" b="1" dirty="0">
               <a:solidFill>

--- a/github.pptx
+++ b/github.pptx
@@ -6059,6 +6059,63 @@
             </a:endParaRPr>
           </a:p>
           <a:p>
+            <a:r>
+              <a:rPr lang="en-US" altLang="zh-TW" sz="2000" b="1" dirty="0">
+                <a:solidFill>
+                  <a:srgbClr val="FF0000"/>
+                </a:solidFill>
+                <a:hlinkClick r:id="rId2"/>
+              </a:rPr>
+              <a:t>https://</a:t>
+            </a:r>
+            <a:r>
+              <a:rPr lang="en-US" altLang="zh-TW" sz="2000" b="1" dirty="0" smtClean="0">
+                <a:solidFill>
+                  <a:srgbClr val="FF0000"/>
+                </a:solidFill>
+                <a:hlinkClick r:id="rId2"/>
+              </a:rPr>
+              <a:t>github.com/krnick/homeworkpython.git</a:t>
+            </a:r>
+            <a:endParaRPr lang="en-US" altLang="zh-TW" sz="2000" b="1" dirty="0" smtClean="0">
+              <a:solidFill>
+                <a:srgbClr val="FF0000"/>
+              </a:solidFill>
+            </a:endParaRPr>
+          </a:p>
+          <a:p>
+            <a:r>
+              <a:rPr lang="zh-TW" altLang="en-US" b="1" dirty="0" smtClean="0">
+                <a:solidFill>
+                  <a:schemeClr val="bg1"/>
+                </a:solidFill>
+              </a:rPr>
+              <a:t>並</a:t>
+            </a:r>
+            <a:r>
+              <a:rPr lang="zh-TW" altLang="en-US" b="1" dirty="0" smtClean="0">
+                <a:solidFill>
+                  <a:schemeClr val="bg1"/>
+                </a:solidFill>
+              </a:rPr>
+              <a:t>找出我最新</a:t>
+            </a:r>
+            <a:r>
+              <a:rPr lang="zh-TW" altLang="en-US" b="1" dirty="0" smtClean="0">
+                <a:solidFill>
+                  <a:schemeClr val="bg1"/>
+                </a:solidFill>
+              </a:rPr>
+              <a:t>一次的</a:t>
+            </a:r>
+            <a:r>
+              <a:rPr lang="en-US" altLang="zh-TW" b="1" smtClean="0">
+                <a:solidFill>
+                  <a:schemeClr val="bg1"/>
+                </a:solidFill>
+              </a:rPr>
+              <a:t>comment</a:t>
+            </a:r>
             <a:endParaRPr lang="en-US" altLang="zh-TW" b="1" dirty="0">
               <a:solidFill>
                 <a:schemeClr val="bg1"/>
@@ -6072,7 +6129,23 @@
                   <a:schemeClr val="bg1"/>
                 </a:solidFill>
               </a:rPr>
-              <a:t>並找出我最新一次</a:t>
+              <a:t>新增一個</a:t>
+            </a:r>
+            <a:r>
+              <a:rPr lang="en-US" altLang="zh-TW" b="1" dirty="0" smtClean="0">
+                <a:solidFill>
+                  <a:schemeClr val="bg1"/>
+                </a:solidFill>
+              </a:rPr>
+              <a:t>.</a:t>
+            </a:r>
+            <a:r>
+              <a:rPr lang="en-US" altLang="zh-TW" b="1" dirty="0" err="1" smtClean="0">
+                <a:solidFill>
+                  <a:schemeClr val="bg1"/>
+                </a:solidFill>
+              </a:rPr>
+              <a:t>py</a:t>
             </a:r>
             <a:r>
               <a:rPr lang="zh-TW" altLang="en-US" b="1" dirty="0" smtClean="0">
@@ -6080,29 +6153,25 @@
                   <a:schemeClr val="bg1"/>
                 </a:solidFill>
               </a:rPr>
-              <a:t>的</a:t>
-            </a:r>
-            <a:endParaRPr lang="en-US" altLang="zh-TW" b="1" dirty="0" smtClean="0">
-              <a:solidFill>
-                <a:schemeClr val="bg1"/>
-              </a:solidFill>
-            </a:endParaRPr>
-          </a:p>
-          <a:p>
-            <a:endParaRPr lang="en-US" altLang="zh-TW" b="1" dirty="0">
-              <a:solidFill>
-                <a:schemeClr val="bg1"/>
-              </a:solidFill>
-            </a:endParaRPr>
-          </a:p>
-          <a:p>
+              <a:t>檔案來</a:t>
+            </a:r>
             <a:r>
               <a:rPr lang="en-US" altLang="zh-TW" b="1" dirty="0" smtClean="0">
                 <a:solidFill>
                   <a:schemeClr val="bg1"/>
                 </a:solidFill>
               </a:rPr>
-              <a:t>comment </a:t>
+              <a:t>print “comment”</a:t>
+            </a:r>
+          </a:p>
+          <a:p>
+            <a:r>
+              <a:rPr lang="en-US" altLang="zh-TW" b="1" dirty="0" smtClean="0">
+                <a:solidFill>
+                  <a:schemeClr val="bg1"/>
+                </a:solidFill>
+              </a:rPr>
+              <a:t>push </a:t>
             </a:r>
             <a:endParaRPr lang="zh-TW" altLang="en-US" b="1" dirty="0">
               <a:solidFill>
